--- a/document/20181124MBL紹介.pptx
+++ b/document/20181124MBL紹介.pptx
@@ -1,6 +1,6 @@
 
 <file path=ppt/presentation.xml><?xml version="1.0" encoding="utf-8"?>
-<p:presentation xmlns:a="http://schemas.openxmlformats.org/drawingml/2006/main" xmlns:r="http://schemas.openxmlformats.org/officeDocument/2006/relationships" xmlns:p="http://schemas.openxmlformats.org/presentationml/2006/main" saveSubsetFonts="1">
+<p:presentation xmlns:a="http://schemas.openxmlformats.org/drawingml/2006/main" xmlns:r="http://schemas.openxmlformats.org/officeDocument/2006/relationships" xmlns:p="http://schemas.openxmlformats.org/presentationml/2006/main" removePersonalInfoOnSave="1" saveSubsetFonts="1">
   <p:sldMasterIdLst>
     <p:sldMasterId id="2147483648" r:id="rId1"/>
   </p:sldMasterIdLst>
@@ -4249,15 +4249,12 @@
                 <a:latin typeface="HG丸ｺﾞｼｯｸM-PRO" panose="020F0600000000000000" pitchFamily="50" charset="-128"/>
                 <a:ea typeface="HG丸ｺﾞｼｯｸM-PRO" panose="020F0600000000000000" pitchFamily="50" charset="-128"/>
               </a:rPr>
-              <a:t>日　</a:t>
-            </a:r>
-            <a:r>
-              <a:rPr lang="en-US" altLang="ja-JP" sz="2000" dirty="0">
-                <a:latin typeface="HG丸ｺﾞｼｯｸM-PRO" panose="020F0600000000000000" pitchFamily="50" charset="-128"/>
-                <a:ea typeface="HG丸ｺﾞｼｯｸM-PRO" panose="020F0600000000000000" pitchFamily="50" charset="-128"/>
-              </a:rPr>
-              <a:t>CC BY-NC 4.0</a:t>
-            </a:r>
+              <a:t>日</a:t>
+            </a:r>
+            <a:endParaRPr lang="en-US" altLang="ja-JP" sz="2000" dirty="0">
+              <a:latin typeface="HG丸ｺﾞｼｯｸM-PRO" panose="020F0600000000000000" pitchFamily="50" charset="-128"/>
+              <a:ea typeface="HG丸ｺﾞｼｯｸM-PRO" panose="020F0600000000000000" pitchFamily="50" charset="-128"/>
+            </a:endParaRPr>
           </a:p>
         </p:txBody>
       </p:sp>

--- a/document/20181124MBL紹介.pptx
+++ b/document/20181124MBL紹介.pptx
@@ -4249,7 +4249,42 @@
                 <a:latin typeface="HG丸ｺﾞｼｯｸM-PRO" panose="020F0600000000000000" pitchFamily="50" charset="-128"/>
                 <a:ea typeface="HG丸ｺﾞｼｯｸM-PRO" panose="020F0600000000000000" pitchFamily="50" charset="-128"/>
               </a:rPr>
-              <a:t>日</a:t>
+              <a:t>日　第</a:t>
+            </a:r>
+            <a:r>
+              <a:rPr lang="en-US" altLang="ja-JP" sz="2000" dirty="0">
+                <a:latin typeface="HG丸ｺﾞｼｯｸM-PRO" panose="020F0600000000000000" pitchFamily="50" charset="-128"/>
+                <a:ea typeface="HG丸ｺﾞｼｯｸM-PRO" panose="020F0600000000000000" pitchFamily="50" charset="-128"/>
+              </a:rPr>
+              <a:t>6</a:t>
+            </a:r>
+            <a:r>
+              <a:rPr lang="ja-JP" altLang="en-US" sz="2000" dirty="0">
+                <a:latin typeface="HG丸ｺﾞｼｯｸM-PRO" panose="020F0600000000000000" pitchFamily="50" charset="-128"/>
+                <a:ea typeface="HG丸ｺﾞｼｯｸM-PRO" panose="020F0600000000000000" pitchFamily="50" charset="-128"/>
+              </a:rPr>
+              <a:t>回</a:t>
+            </a:r>
+            <a:r>
+              <a:rPr lang="en-US" altLang="ja-JP" sz="2000" dirty="0" err="1">
+                <a:latin typeface="HG丸ｺﾞｼｯｸM-PRO" panose="020F0600000000000000" pitchFamily="50" charset="-128"/>
+                <a:ea typeface="HG丸ｺﾞｼｯｸM-PRO" panose="020F0600000000000000" pitchFamily="50" charset="-128"/>
+              </a:rPr>
+              <a:t>Modelica</a:t>
+            </a:r>
+            <a:r>
+              <a:rPr lang="ja-JP" altLang="en-US" sz="2000" dirty="0">
+                <a:latin typeface="HG丸ｺﾞｼｯｸM-PRO" panose="020F0600000000000000" pitchFamily="50" charset="-128"/>
+                <a:ea typeface="HG丸ｺﾞｼｯｸM-PRO" panose="020F0600000000000000" pitchFamily="50" charset="-128"/>
+              </a:rPr>
+              <a:t>ライブラリ勉強会　</a:t>
+            </a:r>
+            <a:r>
+              <a:rPr lang="en-US" altLang="ja-JP" sz="2000" dirty="0" err="1">
+                <a:latin typeface="HG丸ｺﾞｼｯｸM-PRO" panose="020F0600000000000000" pitchFamily="50" charset="-128"/>
+                <a:ea typeface="HG丸ｺﾞｼｯｸM-PRO" panose="020F0600000000000000" pitchFamily="50" charset="-128"/>
+              </a:rPr>
+              <a:t>kinonotofu</a:t>
             </a:r>
             <a:endParaRPr lang="en-US" altLang="ja-JP" sz="2000" dirty="0">
               <a:latin typeface="HG丸ｺﾞｼｯｸM-PRO" panose="020F0600000000000000" pitchFamily="50" charset="-128"/>
@@ -4281,6 +4316,42 @@
           </a:p>
         </p:txBody>
       </p:sp>
+      <p:pic>
+        <p:nvPicPr>
+          <p:cNvPr id="6" name="図 5">
+            <a:extLst>
+              <a:ext uri="{FF2B5EF4-FFF2-40B4-BE49-F238E27FC236}">
+                <a16:creationId xmlns:a16="http://schemas.microsoft.com/office/drawing/2014/main" id="{48C79AAA-65A0-40DB-A07E-465895764CE3}"/>
+              </a:ext>
+            </a:extLst>
+          </p:cNvPr>
+          <p:cNvPicPr>
+            <a:picLocks noChangeAspect="1"/>
+          </p:cNvPicPr>
+          <p:nvPr/>
+        </p:nvPicPr>
+        <p:blipFill>
+          <a:blip r:embed="rId3">
+            <a:extLst>
+              <a:ext uri="{28A0092B-C50C-407E-A947-70E740481C1C}">
+                <a14:useLocalDpi xmlns:a14="http://schemas.microsoft.com/office/drawing/2010/main" val="0"/>
+              </a:ext>
+            </a:extLst>
+          </a:blip>
+          <a:stretch>
+            <a:fillRect/>
+          </a:stretch>
+        </p:blipFill>
+        <p:spPr>
+          <a:xfrm>
+            <a:off x="10312851" y="5661025"/>
+            <a:ext cx="695325" cy="695325"/>
+          </a:xfrm>
+          <a:prstGeom prst="rect">
+            <a:avLst/>
+          </a:prstGeom>
+        </p:spPr>
+      </p:pic>
     </p:spTree>
     <p:extLst>
       <p:ext uri="{BB962C8B-B14F-4D97-AF65-F5344CB8AC3E}">
